--- a/1. Core Java 8/Day 8/2. Persisting Objects with Serialization/Slides/2. Persisting Objects with Serialization/persisting-objects-with-serialization-slides.pptx
+++ b/1. Core Java 8/Day 8/2. Persisting Objects with Serialization/Slides/2. Persisting Objects with Serialization/persisting-objects-with-serialization-slides.pptx
@@ -9332,7 +9332,7 @@
         <p:spPr>
           <a:xfrm>
             <a:off x="4648200" y="1828800"/>
-            <a:ext cx="7330440" cy="2099310"/>
+            <a:ext cx="7498715" cy="2776855"/>
           </a:xfrm>
           <a:prstGeom prst="rect">
             <a:avLst/>
@@ -9361,7 +9361,29 @@
                 <a:cs typeface="Verdana" panose="020B0604030504040204"/>
                 <a:sym typeface="+mn-ea"/>
               </a:rPr>
-              <a:t>Serialize and deserialize an object</a:t>
+              <a:t>Serialize and </a:t>
+            </a:r>
+            <a:r>
+              <a:rPr lang="en-US" sz="2800" dirty="0">
+                <a:solidFill>
+                  <a:srgbClr val="00B0F0"/>
+                </a:solidFill>
+                <a:latin typeface="Verdana" panose="020B0604030504040204"/>
+                <a:cs typeface="Verdana" panose="020B0604030504040204"/>
+                <a:sym typeface="+mn-ea"/>
+              </a:rPr>
+              <a:t>D</a:t>
+            </a:r>
+            <a:r>
+              <a:rPr sz="2800" dirty="0">
+                <a:solidFill>
+                  <a:srgbClr val="00B0F0"/>
+                </a:solidFill>
+                <a:latin typeface="Verdana" panose="020B0604030504040204"/>
+                <a:cs typeface="Verdana" panose="020B0604030504040204"/>
+                <a:sym typeface="+mn-ea"/>
+              </a:rPr>
+              <a:t>eserialize an object</a:t>
             </a:r>
             <a:endParaRPr sz="2800" dirty="0">
               <a:solidFill>
@@ -9381,17 +9403,14 @@
                 <a:spcPts val="100"/>
               </a:spcBef>
             </a:pPr>
-            <a:endParaRPr sz="2800" dirty="0">
+            <a:endParaRPr lang="en-US" sz="3600">
               <a:solidFill>
                 <a:srgbClr val="00B0F0"/>
               </a:solidFill>
-              <a:latin typeface="Verdana" panose="020B0604030504040204"/>
-              <a:cs typeface="Verdana" panose="020B0604030504040204"/>
-              <a:sym typeface="+mn-ea"/>
             </a:endParaRPr>
           </a:p>
           <a:p>
-            <a:pPr marL="1384300" lvl="3" algn="l">
+            <a:pPr marL="12700">
               <a:lnSpc>
                 <a:spcPct val="100000"/>
               </a:lnSpc>
@@ -9405,7 +9424,7 @@
                   <a:srgbClr val="00B0F0"/>
                 </a:solidFill>
               </a:rPr>
-              <a:t>- Serialize the current time</a:t>
+              <a:t>- Serialize and Deserialize the   current time</a:t>
             </a:r>
             <a:endParaRPr lang="en-US" sz="3600">
               <a:solidFill>
@@ -9414,7 +9433,7 @@
             </a:endParaRPr>
           </a:p>
           <a:p>
-            <a:pPr marL="1384300" lvl="3">
+            <a:pPr marL="12700">
               <a:lnSpc>
                 <a:spcPct val="100000"/>
               </a:lnSpc>
